--- a/Docs/MicronIntroduction.pptx
+++ b/Docs/MicronIntroduction.pptx
@@ -7024,9 +7024,9 @@
         <p:grpSpPr>
           <a:xfrm>
             <a:off x="1557495" y="1555851"/>
-            <a:ext cx="5394662" cy="5804566"/>
+            <a:ext cx="8033684" cy="5804566"/>
             <a:chOff x="779419" y="0"/>
-            <a:chExt cx="6373705" cy="6858000"/>
+            <a:chExt cx="9491668" cy="6858000"/>
           </a:xfrm>
         </p:grpSpPr>
         <p:pic>
@@ -7074,7 +7074,7 @@
           <p:spPr>
             <a:xfrm>
               <a:off x="4833258" y="2116405"/>
-              <a:ext cx="2319866" cy="369332"/>
+              <a:ext cx="5437829" cy="436360"/>
             </a:xfrm>
             <a:prstGeom prst="rect">
               <a:avLst/>
@@ -7089,7 +7089,7 @@
             <a:p>
               <a:r>
                 <a:rPr lang="en-US" b="1" i="1" dirty="0"/>
-                <a:t>APIs for your Service</a:t>
+                <a:t>Client APIs for others to talk to your Service</a:t>
               </a:r>
               <a:endParaRPr lang="en-IN" b="1" i="1" dirty="0"/>
             </a:p>
